--- a/UI/UI_Portfolio.pptx
+++ b/UI/UI_Portfolio.pptx
@@ -8,6 +8,7 @@
     <p:sldId id="256" r:id="rId2"/>
     <p:sldId id="257" r:id="rId3"/>
     <p:sldId id="258" r:id="rId4"/>
+    <p:sldId id="259" r:id="rId5"/>
   </p:sldIdLst>
   <p:sldSz cx="12192000" cy="6858000"/>
   <p:notesSz cx="6858000" cy="9144000"/>
@@ -106,6 +107,11 @@
       </a:defRPr>
     </a:lvl9pPr>
   </p:defaultTextStyle>
+  <p:extLst>
+    <p:ext uri="{EFAFB233-063F-42B5-8137-9DF3F51BA10A}">
+      <p15:sldGuideLst xmlns:p15="http://schemas.microsoft.com/office/powerpoint/2012/main"/>
+    </p:ext>
+  </p:extLst>
 </p:presentation>
 </file>
 
@@ -240,7 +246,7 @@
           <a:p>
             <a:fld id="{9B7FF435-8905-4E79-AE46-2E63250C33AB}" type="datetimeFigureOut">
               <a:rPr lang="de-DE" smtClean="0"/>
-              <a:t>28.09.2016</a:t>
+              <a:t>04.10.2016</a:t>
             </a:fld>
             <a:endParaRPr lang="de-DE"/>
           </a:p>
@@ -410,7 +416,7 @@
           <a:p>
             <a:fld id="{9B7FF435-8905-4E79-AE46-2E63250C33AB}" type="datetimeFigureOut">
               <a:rPr lang="de-DE" smtClean="0"/>
-              <a:t>28.09.2016</a:t>
+              <a:t>04.10.2016</a:t>
             </a:fld>
             <a:endParaRPr lang="de-DE"/>
           </a:p>
@@ -590,7 +596,7 @@
           <a:p>
             <a:fld id="{9B7FF435-8905-4E79-AE46-2E63250C33AB}" type="datetimeFigureOut">
               <a:rPr lang="de-DE" smtClean="0"/>
-              <a:t>28.09.2016</a:t>
+              <a:t>04.10.2016</a:t>
             </a:fld>
             <a:endParaRPr lang="de-DE"/>
           </a:p>
@@ -760,7 +766,7 @@
           <a:p>
             <a:fld id="{9B7FF435-8905-4E79-AE46-2E63250C33AB}" type="datetimeFigureOut">
               <a:rPr lang="de-DE" smtClean="0"/>
-              <a:t>28.09.2016</a:t>
+              <a:t>04.10.2016</a:t>
             </a:fld>
             <a:endParaRPr lang="de-DE"/>
           </a:p>
@@ -1006,7 +1012,7 @@
           <a:p>
             <a:fld id="{9B7FF435-8905-4E79-AE46-2E63250C33AB}" type="datetimeFigureOut">
               <a:rPr lang="de-DE" smtClean="0"/>
-              <a:t>28.09.2016</a:t>
+              <a:t>04.10.2016</a:t>
             </a:fld>
             <a:endParaRPr lang="de-DE"/>
           </a:p>
@@ -1238,7 +1244,7 @@
           <a:p>
             <a:fld id="{9B7FF435-8905-4E79-AE46-2E63250C33AB}" type="datetimeFigureOut">
               <a:rPr lang="de-DE" smtClean="0"/>
-              <a:t>28.09.2016</a:t>
+              <a:t>04.10.2016</a:t>
             </a:fld>
             <a:endParaRPr lang="de-DE"/>
           </a:p>
@@ -1605,7 +1611,7 @@
           <a:p>
             <a:fld id="{9B7FF435-8905-4E79-AE46-2E63250C33AB}" type="datetimeFigureOut">
               <a:rPr lang="de-DE" smtClean="0"/>
-              <a:t>28.09.2016</a:t>
+              <a:t>04.10.2016</a:t>
             </a:fld>
             <a:endParaRPr lang="de-DE"/>
           </a:p>
@@ -1723,7 +1729,7 @@
           <a:p>
             <a:fld id="{9B7FF435-8905-4E79-AE46-2E63250C33AB}" type="datetimeFigureOut">
               <a:rPr lang="de-DE" smtClean="0"/>
-              <a:t>28.09.2016</a:t>
+              <a:t>04.10.2016</a:t>
             </a:fld>
             <a:endParaRPr lang="de-DE"/>
           </a:p>
@@ -1818,7 +1824,7 @@
           <a:p>
             <a:fld id="{9B7FF435-8905-4E79-AE46-2E63250C33AB}" type="datetimeFigureOut">
               <a:rPr lang="de-DE" smtClean="0"/>
-              <a:t>28.09.2016</a:t>
+              <a:t>04.10.2016</a:t>
             </a:fld>
             <a:endParaRPr lang="de-DE"/>
           </a:p>
@@ -2095,7 +2101,7 @@
           <a:p>
             <a:fld id="{9B7FF435-8905-4E79-AE46-2E63250C33AB}" type="datetimeFigureOut">
               <a:rPr lang="de-DE" smtClean="0"/>
-              <a:t>28.09.2016</a:t>
+              <a:t>04.10.2016</a:t>
             </a:fld>
             <a:endParaRPr lang="de-DE"/>
           </a:p>
@@ -2348,7 +2354,7 @@
           <a:p>
             <a:fld id="{9B7FF435-8905-4E79-AE46-2E63250C33AB}" type="datetimeFigureOut">
               <a:rPr lang="de-DE" smtClean="0"/>
-              <a:t>28.09.2016</a:t>
+              <a:t>04.10.2016</a:t>
             </a:fld>
             <a:endParaRPr lang="de-DE"/>
           </a:p>
@@ -2561,7 +2567,7 @@
           <a:p>
             <a:fld id="{9B7FF435-8905-4E79-AE46-2E63250C33AB}" type="datetimeFigureOut">
               <a:rPr lang="de-DE" smtClean="0"/>
-              <a:t>28.09.2016</a:t>
+              <a:t>04.10.2016</a:t>
             </a:fld>
             <a:endParaRPr lang="de-DE"/>
           </a:p>
@@ -3006,7 +3012,7 @@
           <a:p>
             <a:r>
               <a:rPr lang="de-DE" dirty="0" smtClean="0"/>
-              <a:t>Johannes Barth &amp; Miguel Moreno</a:t>
+              <a:t>JA.COM</a:t>
             </a:r>
             <a:endParaRPr lang="de-DE" dirty="0"/>
           </a:p>
@@ -3170,97 +3176,357 @@
             <p:ph idx="1"/>
           </p:nvPr>
         </p:nvSpPr>
-        <p:spPr/>
+        <p:spPr>
+          <a:xfrm>
+            <a:off x="838200" y="1825625"/>
+            <a:ext cx="10515600" cy="3203575"/>
+          </a:xfrm>
+        </p:spPr>
         <p:txBody>
           <a:bodyPr/>
           <a:lstStyle/>
           <a:p>
             <a:r>
               <a:rPr lang="de-DE" dirty="0" err="1" smtClean="0"/>
-              <a:t>Sass</a:t>
+              <a:t>MeteorJS</a:t>
+            </a:r>
+            <a:r>
+              <a:rPr lang="de-DE" dirty="0"/>
+              <a:t> </a:t>
+            </a:r>
+            <a:r>
+              <a:rPr lang="de-DE" dirty="0" smtClean="0"/>
+              <a:t>mit </a:t>
+            </a:r>
+            <a:r>
+              <a:rPr lang="de-DE" dirty="0" err="1" smtClean="0"/>
+              <a:t>ReactJS</a:t>
             </a:r>
             <a:endParaRPr lang="de-DE" dirty="0" smtClean="0"/>
           </a:p>
           <a:p>
             <a:pPr lvl="1"/>
             <a:r>
-              <a:rPr lang="de-DE" dirty="0" smtClean="0">
-                <a:hlinkClick r:id="rId2"/>
-              </a:rPr>
-              <a:t>http://sass-lang.com/guide</a:t>
+              <a:rPr lang="de-DE" dirty="0" smtClean="0"/>
+              <a:t>Bootstrap-</a:t>
+            </a:r>
+            <a:r>
+              <a:rPr lang="de-DE" dirty="0" err="1" smtClean="0"/>
+              <a:t>react</a:t>
             </a:r>
             <a:endParaRPr lang="de-DE" dirty="0" smtClean="0"/>
           </a:p>
           <a:p>
+            <a:pPr lvl="1"/>
+            <a:r>
+              <a:rPr lang="de-DE" dirty="0" err="1" smtClean="0"/>
+              <a:t>ChartJS-react</a:t>
+            </a:r>
             <a:r>
               <a:rPr lang="de-DE" dirty="0" smtClean="0"/>
-              <a:t>Bootstrap</a:t>
-            </a:r>
-          </a:p>
-          <a:p>
-            <a:pPr lvl="1"/>
-            <a:r>
-              <a:rPr lang="de-DE" dirty="0" smtClean="0">
-                <a:hlinkClick r:id="rId3"/>
-              </a:rPr>
-              <a:t>http://www.w3schools.com/bootstrap/</a:t>
-            </a:r>
-            <a:endParaRPr lang="de-DE" dirty="0" smtClean="0"/>
-          </a:p>
-          <a:p>
+              <a:t> oder </a:t>
+            </a:r>
             <a:r>
               <a:rPr lang="de-DE" dirty="0" err="1" smtClean="0"/>
               <a:t>React</a:t>
             </a:r>
             <a:r>
               <a:rPr lang="de-DE" dirty="0" smtClean="0"/>
-              <a:t> JS mit </a:t>
-            </a:r>
-            <a:r>
-              <a:rPr lang="de-DE" dirty="0" err="1" smtClean="0"/>
-              <a:t>Node</a:t>
-            </a:r>
+              <a:t>-Easy-Chart</a:t>
+            </a:r>
+          </a:p>
+          <a:p>
+            <a:pPr lvl="1"/>
+            <a:endParaRPr lang="de-DE" dirty="0"/>
+          </a:p>
+          <a:p>
             <a:r>
               <a:rPr lang="de-DE" dirty="0" smtClean="0"/>
-              <a:t> JS</a:t>
+              <a:t>Warum Meteor ?</a:t>
             </a:r>
           </a:p>
           <a:p>
             <a:pPr lvl="1"/>
             <a:r>
-              <a:rPr lang="de-DE" dirty="0" smtClean="0">
-                <a:hlinkClick r:id="rId4"/>
-              </a:rPr>
-              <a:t>https://facebook.github.io/react/</a:t>
-            </a:r>
-            <a:endParaRPr lang="de-DE" dirty="0"/>
-          </a:p>
-          <a:p>
-            <a:r>
-              <a:rPr lang="de-DE" dirty="0" err="1" smtClean="0"/>
-              <a:t>React</a:t>
-            </a:r>
-            <a:r>
-              <a:rPr lang="de-DE" dirty="0" smtClean="0"/>
-              <a:t>-Chart JS</a:t>
+              <a:rPr lang="en-US" dirty="0" smtClean="0"/>
+              <a:t>“Ship </a:t>
+            </a:r>
+            <a:r>
+              <a:rPr lang="en-US" dirty="0"/>
+              <a:t>more with less </a:t>
+            </a:r>
+            <a:r>
+              <a:rPr lang="en-US" dirty="0" smtClean="0"/>
+              <a:t>code”</a:t>
             </a:r>
           </a:p>
           <a:p>
             <a:pPr lvl="1"/>
             <a:r>
-              <a:rPr lang="de-DE" dirty="0" smtClean="0">
-                <a:hlinkClick r:id="rId5"/>
-              </a:rPr>
-              <a:t>https://github.com/reactjs/react-chartjs</a:t>
-            </a:r>
+              <a:rPr lang="en-US" dirty="0" smtClean="0"/>
+              <a:t>MongoDB </a:t>
+            </a:r>
+            <a:r>
+              <a:rPr lang="en-US" dirty="0" err="1" smtClean="0"/>
+              <a:t>mit</a:t>
+            </a:r>
+            <a:r>
+              <a:rPr lang="en-US" dirty="0" smtClean="0"/>
+              <a:t> </a:t>
+            </a:r>
+            <a:r>
+              <a:rPr lang="en-US" dirty="0" err="1" smtClean="0"/>
+              <a:t>gutem</a:t>
+            </a:r>
+            <a:r>
+              <a:rPr lang="en-US" smtClean="0"/>
+              <a:t> Data-Binding</a:t>
+            </a:r>
+            <a:endParaRPr lang="en-US" dirty="0"/>
+          </a:p>
+          <a:p>
+            <a:pPr marL="457200" lvl="1" indent="0">
+              <a:buNone/>
+            </a:pPr>
             <a:endParaRPr lang="de-DE" dirty="0" smtClean="0"/>
           </a:p>
-        </p:txBody>
-      </p:sp>
+          <a:p>
+            <a:pPr lvl="1"/>
+            <a:endParaRPr lang="de-DE" dirty="0" smtClean="0"/>
+          </a:p>
+        </p:txBody>
+      </p:sp>
+      <p:pic>
+        <p:nvPicPr>
+          <p:cNvPr id="1026" name="Picture 2" descr="https://d14xs1qewsqjcd.cloudfront.net/assets/og-image-logo.png"/>
+          <p:cNvPicPr>
+            <a:picLocks noChangeAspect="1" noChangeArrowheads="1"/>
+          </p:cNvPicPr>
+          <p:nvPr/>
+        </p:nvPicPr>
+        <p:blipFill rotWithShape="1">
+          <a:blip r:embed="rId2">
+            <a:extLst>
+              <a:ext uri="{28A0092B-C50C-407E-A947-70E740481C1C}">
+                <a14:useLocalDpi xmlns:a14="http://schemas.microsoft.com/office/drawing/2010/main" val="0"/>
+              </a:ext>
+            </a:extLst>
+          </a:blip>
+          <a:srcRect t="28899" b="28981"/>
+          <a:stretch/>
+        </p:blipFill>
+        <p:spPr bwMode="auto">
+          <a:xfrm>
+            <a:off x="559996" y="5561610"/>
+            <a:ext cx="2412134" cy="1016001"/>
+          </a:xfrm>
+          <a:prstGeom prst="rect">
+            <a:avLst/>
+          </a:prstGeom>
+          <a:noFill/>
+          <a:extLst>
+            <a:ext uri="{909E8E84-426E-40DD-AFC4-6F175D3DCCD1}">
+              <a14:hiddenFill xmlns:a14="http://schemas.microsoft.com/office/drawing/2010/main">
+                <a:solidFill>
+                  <a:srgbClr val="FFFFFF"/>
+                </a:solidFill>
+              </a14:hiddenFill>
+            </a:ext>
+          </a:extLst>
+        </p:spPr>
+      </p:pic>
+      <p:pic>
+        <p:nvPicPr>
+          <p:cNvPr id="1030" name="Picture 6" descr="http://smashingboxes.com/media/W1siZiIsIjIwMTUvMTAvMjAvMTAvNDQvNTMvNjk3L1JlYWN0XzEuMC5wbmciXV0/React%201.0.png?sha=886b9b43c826ec79"/>
+          <p:cNvPicPr>
+            <a:picLocks noChangeAspect="1" noChangeArrowheads="1"/>
+          </p:cNvPicPr>
+          <p:nvPr/>
+        </p:nvPicPr>
+        <p:blipFill>
+          <a:blip r:embed="rId3" cstate="print">
+            <a:extLst>
+              <a:ext uri="{28A0092B-C50C-407E-A947-70E740481C1C}">
+                <a14:useLocalDpi xmlns:a14="http://schemas.microsoft.com/office/drawing/2010/main" val="0"/>
+              </a:ext>
+            </a:extLst>
+          </a:blip>
+          <a:srcRect/>
+          <a:stretch>
+            <a:fillRect/>
+          </a:stretch>
+        </p:blipFill>
+        <p:spPr bwMode="auto">
+          <a:xfrm>
+            <a:off x="4217596" y="5482668"/>
+            <a:ext cx="2343988" cy="1094943"/>
+          </a:xfrm>
+          <a:prstGeom prst="rect">
+            <a:avLst/>
+          </a:prstGeom>
+          <a:noFill/>
+          <a:extLst>
+            <a:ext uri="{909E8E84-426E-40DD-AFC4-6F175D3DCCD1}">
+              <a14:hiddenFill xmlns:a14="http://schemas.microsoft.com/office/drawing/2010/main">
+                <a:solidFill>
+                  <a:srgbClr val="FFFFFF"/>
+                </a:solidFill>
+              </a14:hiddenFill>
+            </a:ext>
+          </a:extLst>
+        </p:spPr>
+      </p:pic>
+      <p:pic>
+        <p:nvPicPr>
+          <p:cNvPr id="1032" name="Picture 8" descr="https://html5hive.org/wp-content/uploads/2015/11/bootstrap-logo.jpg"/>
+          <p:cNvPicPr>
+            <a:picLocks noChangeAspect="1" noChangeArrowheads="1"/>
+          </p:cNvPicPr>
+          <p:nvPr/>
+        </p:nvPicPr>
+        <p:blipFill>
+          <a:blip r:embed="rId4">
+            <a:extLst>
+              <a:ext uri="{28A0092B-C50C-407E-A947-70E740481C1C}">
+                <a14:useLocalDpi xmlns:a14="http://schemas.microsoft.com/office/drawing/2010/main" val="0"/>
+              </a:ext>
+            </a:extLst>
+          </a:blip>
+          <a:srcRect/>
+          <a:stretch>
+            <a:fillRect/>
+          </a:stretch>
+        </p:blipFill>
+        <p:spPr bwMode="auto">
+          <a:xfrm>
+            <a:off x="8008283" y="5561610"/>
+            <a:ext cx="3345517" cy="884238"/>
+          </a:xfrm>
+          <a:prstGeom prst="rect">
+            <a:avLst/>
+          </a:prstGeom>
+          <a:noFill/>
+          <a:extLst>
+            <a:ext uri="{909E8E84-426E-40DD-AFC4-6F175D3DCCD1}">
+              <a14:hiddenFill xmlns:a14="http://schemas.microsoft.com/office/drawing/2010/main">
+                <a:solidFill>
+                  <a:srgbClr val="FFFFFF"/>
+                </a:solidFill>
+              </a14:hiddenFill>
+            </a:ext>
+          </a:extLst>
+        </p:spPr>
+      </p:pic>
     </p:spTree>
     <p:extLst>
       <p:ext uri="{BB962C8B-B14F-4D97-AF65-F5344CB8AC3E}">
         <p14:creationId xmlns:p14="http://schemas.microsoft.com/office/powerpoint/2010/main" val="3873611355"/>
+      </p:ext>
+    </p:extLst>
+  </p:cSld>
+  <p:clrMapOvr>
+    <a:masterClrMapping/>
+  </p:clrMapOvr>
+</p:sld>
+</file>
+
+<file path=ppt/slides/slide4.xml><?xml version="1.0" encoding="utf-8"?>
+<p:sld xmlns:a="http://schemas.openxmlformats.org/drawingml/2006/main" xmlns:r="http://schemas.openxmlformats.org/officeDocument/2006/relationships" xmlns:p="http://schemas.openxmlformats.org/presentationml/2006/main">
+  <p:cSld>
+    <p:spTree>
+      <p:nvGrpSpPr>
+        <p:cNvPr id="1" name=""/>
+        <p:cNvGrpSpPr/>
+        <p:nvPr/>
+      </p:nvGrpSpPr>
+      <p:grpSpPr>
+        <a:xfrm>
+          <a:off x="0" y="0"/>
+          <a:ext cx="0" cy="0"/>
+          <a:chOff x="0" y="0"/>
+          <a:chExt cx="0" cy="0"/>
+        </a:xfrm>
+      </p:grpSpPr>
+      <p:sp>
+        <p:nvSpPr>
+          <p:cNvPr id="2" name="Titel 1"/>
+          <p:cNvSpPr>
+            <a:spLocks noGrp="1"/>
+          </p:cNvSpPr>
+          <p:nvPr>
+            <p:ph type="title"/>
+          </p:nvPr>
+        </p:nvSpPr>
+        <p:spPr/>
+        <p:txBody>
+          <a:bodyPr/>
+          <a:lstStyle/>
+          <a:p>
+            <a:r>
+              <a:rPr lang="de-DE" dirty="0" smtClean="0"/>
+              <a:t>Dashboard</a:t>
+            </a:r>
+            <a:endParaRPr lang="de-DE" dirty="0"/>
+          </a:p>
+        </p:txBody>
+      </p:sp>
+      <p:sp>
+        <p:nvSpPr>
+          <p:cNvPr id="3" name="Inhaltsplatzhalter 2"/>
+          <p:cNvSpPr>
+            <a:spLocks noGrp="1"/>
+          </p:cNvSpPr>
+          <p:nvPr>
+            <p:ph idx="1"/>
+          </p:nvPr>
+        </p:nvSpPr>
+        <p:spPr/>
+        <p:txBody>
+          <a:bodyPr/>
+          <a:lstStyle/>
+          <a:p>
+            <a:r>
+              <a:rPr lang="de-DE" dirty="0" err="1" smtClean="0"/>
+              <a:t>Navbar</a:t>
+            </a:r>
+            <a:r>
+              <a:rPr lang="de-DE" dirty="0" smtClean="0"/>
+              <a:t> mit</a:t>
+            </a:r>
+          </a:p>
+          <a:p>
+            <a:pPr lvl="1"/>
+            <a:r>
+              <a:rPr lang="de-DE" dirty="0" smtClean="0"/>
+              <a:t>Maschinenstatus</a:t>
+            </a:r>
+          </a:p>
+          <a:p>
+            <a:pPr lvl="1"/>
+            <a:r>
+              <a:rPr lang="de-DE" dirty="0" smtClean="0"/>
+              <a:t>ERP Daten</a:t>
+            </a:r>
+          </a:p>
+          <a:p>
+            <a:pPr lvl="1"/>
+            <a:r>
+              <a:rPr lang="de-DE" dirty="0" smtClean="0"/>
+              <a:t>Analysedaten</a:t>
+            </a:r>
+          </a:p>
+          <a:p>
+            <a:pPr marL="457200" lvl="1" indent="0">
+              <a:buNone/>
+            </a:pPr>
+            <a:endParaRPr lang="de-DE" dirty="0" smtClean="0"/>
+          </a:p>
+        </p:txBody>
+      </p:sp>
+    </p:spTree>
+    <p:extLst>
+      <p:ext uri="{BB962C8B-B14F-4D97-AF65-F5344CB8AC3E}">
+        <p14:creationId xmlns:p14="http://schemas.microsoft.com/office/powerpoint/2010/main" val="2979752238"/>
       </p:ext>
     </p:extLst>
   </p:cSld>

--- a/UI/UI_Portfolio.pptx
+++ b/UI/UI_Portfolio.pptx
@@ -9,6 +9,7 @@
     <p:sldId id="257" r:id="rId3"/>
     <p:sldId id="258" r:id="rId4"/>
     <p:sldId id="259" r:id="rId5"/>
+    <p:sldId id="260" r:id="rId6"/>
   </p:sldIdLst>
   <p:sldSz cx="12192000" cy="6858000"/>
   <p:notesSz cx="6858000" cy="9144000"/>
@@ -246,7 +247,7 @@
           <a:p>
             <a:fld id="{9B7FF435-8905-4E79-AE46-2E63250C33AB}" type="datetimeFigureOut">
               <a:rPr lang="de-DE" smtClean="0"/>
-              <a:t>04.10.2016</a:t>
+              <a:t>06.10.2016</a:t>
             </a:fld>
             <a:endParaRPr lang="de-DE"/>
           </a:p>
@@ -416,7 +417,7 @@
           <a:p>
             <a:fld id="{9B7FF435-8905-4E79-AE46-2E63250C33AB}" type="datetimeFigureOut">
               <a:rPr lang="de-DE" smtClean="0"/>
-              <a:t>04.10.2016</a:t>
+              <a:t>06.10.2016</a:t>
             </a:fld>
             <a:endParaRPr lang="de-DE"/>
           </a:p>
@@ -596,7 +597,7 @@
           <a:p>
             <a:fld id="{9B7FF435-8905-4E79-AE46-2E63250C33AB}" type="datetimeFigureOut">
               <a:rPr lang="de-DE" smtClean="0"/>
-              <a:t>04.10.2016</a:t>
+              <a:t>06.10.2016</a:t>
             </a:fld>
             <a:endParaRPr lang="de-DE"/>
           </a:p>
@@ -766,7 +767,7 @@
           <a:p>
             <a:fld id="{9B7FF435-8905-4E79-AE46-2E63250C33AB}" type="datetimeFigureOut">
               <a:rPr lang="de-DE" smtClean="0"/>
-              <a:t>04.10.2016</a:t>
+              <a:t>06.10.2016</a:t>
             </a:fld>
             <a:endParaRPr lang="de-DE"/>
           </a:p>
@@ -1012,7 +1013,7 @@
           <a:p>
             <a:fld id="{9B7FF435-8905-4E79-AE46-2E63250C33AB}" type="datetimeFigureOut">
               <a:rPr lang="de-DE" smtClean="0"/>
-              <a:t>04.10.2016</a:t>
+              <a:t>06.10.2016</a:t>
             </a:fld>
             <a:endParaRPr lang="de-DE"/>
           </a:p>
@@ -1244,7 +1245,7 @@
           <a:p>
             <a:fld id="{9B7FF435-8905-4E79-AE46-2E63250C33AB}" type="datetimeFigureOut">
               <a:rPr lang="de-DE" smtClean="0"/>
-              <a:t>04.10.2016</a:t>
+              <a:t>06.10.2016</a:t>
             </a:fld>
             <a:endParaRPr lang="de-DE"/>
           </a:p>
@@ -1611,7 +1612,7 @@
           <a:p>
             <a:fld id="{9B7FF435-8905-4E79-AE46-2E63250C33AB}" type="datetimeFigureOut">
               <a:rPr lang="de-DE" smtClean="0"/>
-              <a:t>04.10.2016</a:t>
+              <a:t>06.10.2016</a:t>
             </a:fld>
             <a:endParaRPr lang="de-DE"/>
           </a:p>
@@ -1729,7 +1730,7 @@
           <a:p>
             <a:fld id="{9B7FF435-8905-4E79-AE46-2E63250C33AB}" type="datetimeFigureOut">
               <a:rPr lang="de-DE" smtClean="0"/>
-              <a:t>04.10.2016</a:t>
+              <a:t>06.10.2016</a:t>
             </a:fld>
             <a:endParaRPr lang="de-DE"/>
           </a:p>
@@ -1824,7 +1825,7 @@
           <a:p>
             <a:fld id="{9B7FF435-8905-4E79-AE46-2E63250C33AB}" type="datetimeFigureOut">
               <a:rPr lang="de-DE" smtClean="0"/>
-              <a:t>04.10.2016</a:t>
+              <a:t>06.10.2016</a:t>
             </a:fld>
             <a:endParaRPr lang="de-DE"/>
           </a:p>
@@ -2101,7 +2102,7 @@
           <a:p>
             <a:fld id="{9B7FF435-8905-4E79-AE46-2E63250C33AB}" type="datetimeFigureOut">
               <a:rPr lang="de-DE" smtClean="0"/>
-              <a:t>04.10.2016</a:t>
+              <a:t>06.10.2016</a:t>
             </a:fld>
             <a:endParaRPr lang="de-DE"/>
           </a:p>
@@ -2354,7 +2355,7 @@
           <a:p>
             <a:fld id="{9B7FF435-8905-4E79-AE46-2E63250C33AB}" type="datetimeFigureOut">
               <a:rPr lang="de-DE" smtClean="0"/>
-              <a:t>04.10.2016</a:t>
+              <a:t>06.10.2016</a:t>
             </a:fld>
             <a:endParaRPr lang="de-DE"/>
           </a:p>
@@ -2567,7 +2568,7 @@
           <a:p>
             <a:fld id="{9B7FF435-8905-4E79-AE46-2E63250C33AB}" type="datetimeFigureOut">
               <a:rPr lang="de-DE" smtClean="0"/>
-              <a:t>04.10.2016</a:t>
+              <a:t>06.10.2016</a:t>
             </a:fld>
             <a:endParaRPr lang="de-DE"/>
           </a:p>
@@ -3536,6 +3537,82 @@
 </p:sld>
 </file>
 
+<file path=ppt/slides/slide5.xml><?xml version="1.0" encoding="utf-8"?>
+<p:sld xmlns:a="http://schemas.openxmlformats.org/drawingml/2006/main" xmlns:r="http://schemas.openxmlformats.org/officeDocument/2006/relationships" xmlns:p="http://schemas.openxmlformats.org/presentationml/2006/main">
+  <p:cSld>
+    <p:spTree>
+      <p:nvGrpSpPr>
+        <p:cNvPr id="1" name=""/>
+        <p:cNvGrpSpPr/>
+        <p:nvPr/>
+      </p:nvGrpSpPr>
+      <p:grpSpPr>
+        <a:xfrm>
+          <a:off x="0" y="0"/>
+          <a:ext cx="0" cy="0"/>
+          <a:chOff x="0" y="0"/>
+          <a:chExt cx="0" cy="0"/>
+        </a:xfrm>
+      </p:grpSpPr>
+      <p:sp>
+        <p:nvSpPr>
+          <p:cNvPr id="2" name="Titel 1"/>
+          <p:cNvSpPr>
+            <a:spLocks noGrp="1"/>
+          </p:cNvSpPr>
+          <p:nvPr>
+            <p:ph type="title"/>
+          </p:nvPr>
+        </p:nvSpPr>
+        <p:spPr/>
+        <p:txBody>
+          <a:bodyPr/>
+          <a:lstStyle/>
+          <a:p>
+            <a:r>
+              <a:rPr lang="de-DE" dirty="0" smtClean="0"/>
+              <a:t>Probleme</a:t>
+            </a:r>
+            <a:endParaRPr lang="de-DE" dirty="0"/>
+          </a:p>
+        </p:txBody>
+      </p:sp>
+      <p:sp>
+        <p:nvSpPr>
+          <p:cNvPr id="3" name="Inhaltsplatzhalter 2"/>
+          <p:cNvSpPr>
+            <a:spLocks noGrp="1"/>
+          </p:cNvSpPr>
+          <p:nvPr>
+            <p:ph idx="1"/>
+          </p:nvPr>
+        </p:nvSpPr>
+        <p:spPr/>
+        <p:txBody>
+          <a:bodyPr/>
+          <a:lstStyle/>
+          <a:p>
+            <a:r>
+              <a:rPr lang="de-DE" dirty="0" smtClean="0"/>
+              <a:t>Überschreiben des CSS von Bootstraps in Meteor</a:t>
+            </a:r>
+            <a:endParaRPr lang="de-DE" dirty="0"/>
+          </a:p>
+        </p:txBody>
+      </p:sp>
+    </p:spTree>
+    <p:extLst>
+      <p:ext uri="{BB962C8B-B14F-4D97-AF65-F5344CB8AC3E}">
+        <p14:creationId xmlns:p14="http://schemas.microsoft.com/office/powerpoint/2010/main" val="955462459"/>
+      </p:ext>
+    </p:extLst>
+  </p:cSld>
+  <p:clrMapOvr>
+    <a:masterClrMapping/>
+  </p:clrMapOvr>
+</p:sld>
+</file>
+
 <file path=ppt/theme/theme1.xml><?xml version="1.0" encoding="utf-8"?>
 <a:theme xmlns:a="http://schemas.openxmlformats.org/drawingml/2006/main" name="Office Theme">
   <a:themeElements>

--- a/UI/UI_Portfolio.pptx
+++ b/UI/UI_Portfolio.pptx
@@ -10,6 +10,8 @@
     <p:sldId id="258" r:id="rId4"/>
     <p:sldId id="259" r:id="rId5"/>
     <p:sldId id="260" r:id="rId6"/>
+    <p:sldId id="261" r:id="rId7"/>
+    <p:sldId id="262" r:id="rId8"/>
   </p:sldIdLst>
   <p:sldSz cx="12192000" cy="6858000"/>
   <p:notesSz cx="6858000" cy="9144000"/>
@@ -247,7 +249,7 @@
           <a:p>
             <a:fld id="{9B7FF435-8905-4E79-AE46-2E63250C33AB}" type="datetimeFigureOut">
               <a:rPr lang="de-DE" smtClean="0"/>
-              <a:t>06.10.2016</a:t>
+              <a:t>11.10.2016</a:t>
             </a:fld>
             <a:endParaRPr lang="de-DE"/>
           </a:p>
@@ -417,7 +419,7 @@
           <a:p>
             <a:fld id="{9B7FF435-8905-4E79-AE46-2E63250C33AB}" type="datetimeFigureOut">
               <a:rPr lang="de-DE" smtClean="0"/>
-              <a:t>06.10.2016</a:t>
+              <a:t>11.10.2016</a:t>
             </a:fld>
             <a:endParaRPr lang="de-DE"/>
           </a:p>
@@ -597,7 +599,7 @@
           <a:p>
             <a:fld id="{9B7FF435-8905-4E79-AE46-2E63250C33AB}" type="datetimeFigureOut">
               <a:rPr lang="de-DE" smtClean="0"/>
-              <a:t>06.10.2016</a:t>
+              <a:t>11.10.2016</a:t>
             </a:fld>
             <a:endParaRPr lang="de-DE"/>
           </a:p>
@@ -767,7 +769,7 @@
           <a:p>
             <a:fld id="{9B7FF435-8905-4E79-AE46-2E63250C33AB}" type="datetimeFigureOut">
               <a:rPr lang="de-DE" smtClean="0"/>
-              <a:t>06.10.2016</a:t>
+              <a:t>11.10.2016</a:t>
             </a:fld>
             <a:endParaRPr lang="de-DE"/>
           </a:p>
@@ -1013,7 +1015,7 @@
           <a:p>
             <a:fld id="{9B7FF435-8905-4E79-AE46-2E63250C33AB}" type="datetimeFigureOut">
               <a:rPr lang="de-DE" smtClean="0"/>
-              <a:t>06.10.2016</a:t>
+              <a:t>11.10.2016</a:t>
             </a:fld>
             <a:endParaRPr lang="de-DE"/>
           </a:p>
@@ -1245,7 +1247,7 @@
           <a:p>
             <a:fld id="{9B7FF435-8905-4E79-AE46-2E63250C33AB}" type="datetimeFigureOut">
               <a:rPr lang="de-DE" smtClean="0"/>
-              <a:t>06.10.2016</a:t>
+              <a:t>11.10.2016</a:t>
             </a:fld>
             <a:endParaRPr lang="de-DE"/>
           </a:p>
@@ -1612,7 +1614,7 @@
           <a:p>
             <a:fld id="{9B7FF435-8905-4E79-AE46-2E63250C33AB}" type="datetimeFigureOut">
               <a:rPr lang="de-DE" smtClean="0"/>
-              <a:t>06.10.2016</a:t>
+              <a:t>11.10.2016</a:t>
             </a:fld>
             <a:endParaRPr lang="de-DE"/>
           </a:p>
@@ -1730,7 +1732,7 @@
           <a:p>
             <a:fld id="{9B7FF435-8905-4E79-AE46-2E63250C33AB}" type="datetimeFigureOut">
               <a:rPr lang="de-DE" smtClean="0"/>
-              <a:t>06.10.2016</a:t>
+              <a:t>11.10.2016</a:t>
             </a:fld>
             <a:endParaRPr lang="de-DE"/>
           </a:p>
@@ -1825,7 +1827,7 @@
           <a:p>
             <a:fld id="{9B7FF435-8905-4E79-AE46-2E63250C33AB}" type="datetimeFigureOut">
               <a:rPr lang="de-DE" smtClean="0"/>
-              <a:t>06.10.2016</a:t>
+              <a:t>11.10.2016</a:t>
             </a:fld>
             <a:endParaRPr lang="de-DE"/>
           </a:p>
@@ -2102,7 +2104,7 @@
           <a:p>
             <a:fld id="{9B7FF435-8905-4E79-AE46-2E63250C33AB}" type="datetimeFigureOut">
               <a:rPr lang="de-DE" smtClean="0"/>
-              <a:t>06.10.2016</a:t>
+              <a:t>11.10.2016</a:t>
             </a:fld>
             <a:endParaRPr lang="de-DE"/>
           </a:p>
@@ -2355,7 +2357,7 @@
           <a:p>
             <a:fld id="{9B7FF435-8905-4E79-AE46-2E63250C33AB}" type="datetimeFigureOut">
               <a:rPr lang="de-DE" smtClean="0"/>
-              <a:t>06.10.2016</a:t>
+              <a:t>11.10.2016</a:t>
             </a:fld>
             <a:endParaRPr lang="de-DE"/>
           </a:p>
@@ -2568,7 +2570,7 @@
           <a:p>
             <a:fld id="{9B7FF435-8905-4E79-AE46-2E63250C33AB}" type="datetimeFigureOut">
               <a:rPr lang="de-DE" smtClean="0"/>
-              <a:t>06.10.2016</a:t>
+              <a:t>11.10.2016</a:t>
             </a:fld>
             <a:endParaRPr lang="de-DE"/>
           </a:p>
@@ -3594,7 +3596,48 @@
           <a:p>
             <a:r>
               <a:rPr lang="de-DE" dirty="0" smtClean="0"/>
-              <a:t>Überschreiben des CSS von Bootstraps in Meteor</a:t>
+              <a:t>Kleine Bugs:</a:t>
+            </a:r>
+          </a:p>
+          <a:p>
+            <a:pPr lvl="1"/>
+            <a:r>
+              <a:rPr lang="de-DE" dirty="0" smtClean="0"/>
+              <a:t>Hintergrundbild skaliert nicht auf 100% der Höhe</a:t>
+            </a:r>
+          </a:p>
+          <a:p>
+            <a:pPr lvl="1"/>
+            <a:r>
+              <a:rPr lang="de-DE" dirty="0" err="1" smtClean="0"/>
+              <a:t>LineCharts</a:t>
+            </a:r>
+            <a:r>
+              <a:rPr lang="de-DE" dirty="0" smtClean="0"/>
+              <a:t> aus </a:t>
+            </a:r>
+            <a:r>
+              <a:rPr lang="de-DE" dirty="0" err="1" smtClean="0"/>
+              <a:t>React-ChartJS</a:t>
+            </a:r>
+            <a:r>
+              <a:rPr lang="de-DE" dirty="0" smtClean="0"/>
+              <a:t> skalieren manchmal falsch (bei gewisser Breite des Fensters)</a:t>
+            </a:r>
+          </a:p>
+          <a:p>
+            <a:pPr lvl="1"/>
+            <a:r>
+              <a:rPr lang="de-DE" dirty="0" smtClean="0"/>
+              <a:t>Suche in der </a:t>
+            </a:r>
+            <a:r>
+              <a:rPr lang="de-DE" dirty="0" err="1" smtClean="0"/>
+              <a:t>Navbar</a:t>
+            </a:r>
+            <a:r>
+              <a:rPr lang="de-DE" dirty="0" smtClean="0"/>
+              <a:t> verschiebt sich „unansehnlich“ </a:t>
             </a:r>
             <a:endParaRPr lang="de-DE" dirty="0"/>
           </a:p>
@@ -3604,6 +3647,233 @@
     <p:extLst>
       <p:ext uri="{BB962C8B-B14F-4D97-AF65-F5344CB8AC3E}">
         <p14:creationId xmlns:p14="http://schemas.microsoft.com/office/powerpoint/2010/main" val="955462459"/>
+      </p:ext>
+    </p:extLst>
+  </p:cSld>
+  <p:clrMapOvr>
+    <a:masterClrMapping/>
+  </p:clrMapOvr>
+</p:sld>
+</file>
+
+<file path=ppt/slides/slide6.xml><?xml version="1.0" encoding="utf-8"?>
+<p:sld xmlns:a="http://schemas.openxmlformats.org/drawingml/2006/main" xmlns:r="http://schemas.openxmlformats.org/officeDocument/2006/relationships" xmlns:p="http://schemas.openxmlformats.org/presentationml/2006/main">
+  <p:cSld>
+    <p:spTree>
+      <p:nvGrpSpPr>
+        <p:cNvPr id="1" name=""/>
+        <p:cNvGrpSpPr/>
+        <p:nvPr/>
+      </p:nvGrpSpPr>
+      <p:grpSpPr>
+        <a:xfrm>
+          <a:off x="0" y="0"/>
+          <a:ext cx="0" cy="0"/>
+          <a:chOff x="0" y="0"/>
+          <a:chExt cx="0" cy="0"/>
+        </a:xfrm>
+      </p:grpSpPr>
+      <p:sp>
+        <p:nvSpPr>
+          <p:cNvPr id="2" name="Titel 1"/>
+          <p:cNvSpPr>
+            <a:spLocks noGrp="1"/>
+          </p:cNvSpPr>
+          <p:nvPr>
+            <p:ph type="title"/>
+          </p:nvPr>
+        </p:nvSpPr>
+        <p:spPr/>
+        <p:txBody>
+          <a:bodyPr/>
+          <a:lstStyle/>
+          <a:p>
+            <a:r>
+              <a:rPr lang="de-DE" dirty="0" err="1" smtClean="0"/>
+              <a:t>Favro</a:t>
+            </a:r>
+            <a:r>
+              <a:rPr lang="de-DE" dirty="0" smtClean="0"/>
+              <a:t> als Planungstool</a:t>
+            </a:r>
+            <a:endParaRPr lang="de-DE" dirty="0"/>
+          </a:p>
+        </p:txBody>
+      </p:sp>
+      <p:sp>
+        <p:nvSpPr>
+          <p:cNvPr id="3" name="Inhaltsplatzhalter 2"/>
+          <p:cNvSpPr>
+            <a:spLocks noGrp="1"/>
+          </p:cNvSpPr>
+          <p:nvPr>
+            <p:ph idx="1"/>
+          </p:nvPr>
+        </p:nvSpPr>
+        <p:spPr/>
+        <p:txBody>
+          <a:bodyPr/>
+          <a:lstStyle/>
+          <a:p>
+            <a:r>
+              <a:rPr lang="de-DE" dirty="0" smtClean="0">
+                <a:hlinkClick r:id="rId2"/>
+              </a:rPr>
+              <a:t>http://Favro.com</a:t>
+            </a:r>
+            <a:endParaRPr lang="de-DE" dirty="0" smtClean="0"/>
+          </a:p>
+          <a:p>
+            <a:r>
+              <a:rPr lang="de-DE" dirty="0" smtClean="0"/>
+              <a:t>Für Einteilung und Übersicht über Aufgaben</a:t>
+            </a:r>
+          </a:p>
+          <a:p>
+            <a:pPr lvl="1"/>
+            <a:r>
+              <a:rPr lang="de-DE" dirty="0" smtClean="0"/>
+              <a:t>Wann wurde etwas fertig</a:t>
+            </a:r>
+          </a:p>
+          <a:p>
+            <a:pPr lvl="1"/>
+            <a:r>
+              <a:rPr lang="de-DE" dirty="0" smtClean="0"/>
+              <a:t>Was ist in meiner „</a:t>
+            </a:r>
+            <a:r>
+              <a:rPr lang="de-DE" dirty="0" err="1" smtClean="0"/>
+              <a:t>To</a:t>
+            </a:r>
+            <a:r>
+              <a:rPr lang="de-DE" dirty="0" smtClean="0"/>
+              <a:t>-Do List“</a:t>
+            </a:r>
+          </a:p>
+          <a:p>
+            <a:pPr lvl="1"/>
+            <a:r>
+              <a:rPr lang="de-DE" dirty="0" smtClean="0"/>
+              <a:t>Wo sind Fehler</a:t>
+            </a:r>
+          </a:p>
+          <a:p>
+            <a:pPr lvl="1"/>
+            <a:r>
+              <a:rPr lang="de-DE" smtClean="0"/>
+              <a:t>Usw.</a:t>
+            </a:r>
+            <a:endParaRPr lang="de-DE" dirty="0" smtClean="0"/>
+          </a:p>
+          <a:p>
+            <a:r>
+              <a:rPr lang="de-DE" dirty="0" smtClean="0"/>
+              <a:t>Grundfunktionen kostenlos</a:t>
+            </a:r>
+          </a:p>
+          <a:p>
+            <a:r>
+              <a:rPr lang="de-DE" dirty="0" smtClean="0"/>
+              <a:t>Anmeldung mit </a:t>
+            </a:r>
+            <a:r>
+              <a:rPr lang="de-DE" dirty="0" err="1" smtClean="0"/>
+              <a:t>Github</a:t>
+            </a:r>
+            <a:r>
+              <a:rPr lang="de-DE" dirty="0" smtClean="0"/>
+              <a:t> möglich</a:t>
+            </a:r>
+          </a:p>
+          <a:p>
+            <a:endParaRPr lang="de-DE" dirty="0"/>
+          </a:p>
+        </p:txBody>
+      </p:sp>
+    </p:spTree>
+    <p:extLst>
+      <p:ext uri="{BB962C8B-B14F-4D97-AF65-F5344CB8AC3E}">
+        <p14:creationId xmlns:p14="http://schemas.microsoft.com/office/powerpoint/2010/main" val="1032505521"/>
+      </p:ext>
+    </p:extLst>
+  </p:cSld>
+  <p:clrMapOvr>
+    <a:masterClrMapping/>
+  </p:clrMapOvr>
+</p:sld>
+</file>
+
+<file path=ppt/slides/slide7.xml><?xml version="1.0" encoding="utf-8"?>
+<p:sld xmlns:a="http://schemas.openxmlformats.org/drawingml/2006/main" xmlns:r="http://schemas.openxmlformats.org/officeDocument/2006/relationships" xmlns:p="http://schemas.openxmlformats.org/presentationml/2006/main">
+  <p:cSld>
+    <p:spTree>
+      <p:nvGrpSpPr>
+        <p:cNvPr id="1" name=""/>
+        <p:cNvGrpSpPr/>
+        <p:nvPr/>
+      </p:nvGrpSpPr>
+      <p:grpSpPr>
+        <a:xfrm>
+          <a:off x="0" y="0"/>
+          <a:ext cx="0" cy="0"/>
+          <a:chOff x="0" y="0"/>
+          <a:chExt cx="0" cy="0"/>
+        </a:xfrm>
+      </p:grpSpPr>
+      <p:sp>
+        <p:nvSpPr>
+          <p:cNvPr id="2" name="Titel 1"/>
+          <p:cNvSpPr>
+            <a:spLocks noGrp="1"/>
+          </p:cNvSpPr>
+          <p:nvPr>
+            <p:ph type="title"/>
+          </p:nvPr>
+        </p:nvSpPr>
+        <p:spPr/>
+        <p:txBody>
+          <a:bodyPr/>
+          <a:lstStyle/>
+          <a:p>
+            <a:r>
+              <a:rPr lang="de-DE" dirty="0" err="1" smtClean="0"/>
+              <a:t>Favro</a:t>
+            </a:r>
+            <a:endParaRPr lang="de-DE" dirty="0"/>
+          </a:p>
+        </p:txBody>
+      </p:sp>
+      <p:pic>
+        <p:nvPicPr>
+          <p:cNvPr id="4" name="Inhaltsplatzhalter 3"/>
+          <p:cNvPicPr>
+            <a:picLocks noGrp="1" noChangeAspect="1"/>
+          </p:cNvPicPr>
+          <p:nvPr>
+            <p:ph idx="1"/>
+          </p:nvPr>
+        </p:nvPicPr>
+        <p:blipFill>
+          <a:blip r:embed="rId2"/>
+          <a:stretch>
+            <a:fillRect/>
+          </a:stretch>
+        </p:blipFill>
+        <p:spPr>
+          <a:xfrm>
+            <a:off x="2281056" y="1825625"/>
+            <a:ext cx="7629888" cy="4351338"/>
+          </a:xfrm>
+          <a:prstGeom prst="rect">
+            <a:avLst/>
+          </a:prstGeom>
+        </p:spPr>
+      </p:pic>
+    </p:spTree>
+    <p:extLst>
+      <p:ext uri="{BB962C8B-B14F-4D97-AF65-F5344CB8AC3E}">
+        <p14:creationId xmlns:p14="http://schemas.microsoft.com/office/powerpoint/2010/main" val="4238350856"/>
       </p:ext>
     </p:extLst>
   </p:cSld>

--- a/UI/UI_Portfolio.pptx
+++ b/UI/UI_Portfolio.pptx
@@ -12,6 +12,7 @@
     <p:sldId id="260" r:id="rId6"/>
     <p:sldId id="261" r:id="rId7"/>
     <p:sldId id="262" r:id="rId8"/>
+    <p:sldId id="263" r:id="rId9"/>
   </p:sldIdLst>
   <p:sldSz cx="12192000" cy="6858000"/>
   <p:notesSz cx="6858000" cy="9144000"/>
@@ -249,7 +250,7 @@
           <a:p>
             <a:fld id="{9B7FF435-8905-4E79-AE46-2E63250C33AB}" type="datetimeFigureOut">
               <a:rPr lang="de-DE" smtClean="0"/>
-              <a:t>11.10.2016</a:t>
+              <a:t>04.11.2016</a:t>
             </a:fld>
             <a:endParaRPr lang="de-DE"/>
           </a:p>
@@ -419,7 +420,7 @@
           <a:p>
             <a:fld id="{9B7FF435-8905-4E79-AE46-2E63250C33AB}" type="datetimeFigureOut">
               <a:rPr lang="de-DE" smtClean="0"/>
-              <a:t>11.10.2016</a:t>
+              <a:t>04.11.2016</a:t>
             </a:fld>
             <a:endParaRPr lang="de-DE"/>
           </a:p>
@@ -599,7 +600,7 @@
           <a:p>
             <a:fld id="{9B7FF435-8905-4E79-AE46-2E63250C33AB}" type="datetimeFigureOut">
               <a:rPr lang="de-DE" smtClean="0"/>
-              <a:t>11.10.2016</a:t>
+              <a:t>04.11.2016</a:t>
             </a:fld>
             <a:endParaRPr lang="de-DE"/>
           </a:p>
@@ -769,7 +770,7 @@
           <a:p>
             <a:fld id="{9B7FF435-8905-4E79-AE46-2E63250C33AB}" type="datetimeFigureOut">
               <a:rPr lang="de-DE" smtClean="0"/>
-              <a:t>11.10.2016</a:t>
+              <a:t>04.11.2016</a:t>
             </a:fld>
             <a:endParaRPr lang="de-DE"/>
           </a:p>
@@ -1015,7 +1016,7 @@
           <a:p>
             <a:fld id="{9B7FF435-8905-4E79-AE46-2E63250C33AB}" type="datetimeFigureOut">
               <a:rPr lang="de-DE" smtClean="0"/>
-              <a:t>11.10.2016</a:t>
+              <a:t>04.11.2016</a:t>
             </a:fld>
             <a:endParaRPr lang="de-DE"/>
           </a:p>
@@ -1247,7 +1248,7 @@
           <a:p>
             <a:fld id="{9B7FF435-8905-4E79-AE46-2E63250C33AB}" type="datetimeFigureOut">
               <a:rPr lang="de-DE" smtClean="0"/>
-              <a:t>11.10.2016</a:t>
+              <a:t>04.11.2016</a:t>
             </a:fld>
             <a:endParaRPr lang="de-DE"/>
           </a:p>
@@ -1614,7 +1615,7 @@
           <a:p>
             <a:fld id="{9B7FF435-8905-4E79-AE46-2E63250C33AB}" type="datetimeFigureOut">
               <a:rPr lang="de-DE" smtClean="0"/>
-              <a:t>11.10.2016</a:t>
+              <a:t>04.11.2016</a:t>
             </a:fld>
             <a:endParaRPr lang="de-DE"/>
           </a:p>
@@ -1732,7 +1733,7 @@
           <a:p>
             <a:fld id="{9B7FF435-8905-4E79-AE46-2E63250C33AB}" type="datetimeFigureOut">
               <a:rPr lang="de-DE" smtClean="0"/>
-              <a:t>11.10.2016</a:t>
+              <a:t>04.11.2016</a:t>
             </a:fld>
             <a:endParaRPr lang="de-DE"/>
           </a:p>
@@ -1827,7 +1828,7 @@
           <a:p>
             <a:fld id="{9B7FF435-8905-4E79-AE46-2E63250C33AB}" type="datetimeFigureOut">
               <a:rPr lang="de-DE" smtClean="0"/>
-              <a:t>11.10.2016</a:t>
+              <a:t>04.11.2016</a:t>
             </a:fld>
             <a:endParaRPr lang="de-DE"/>
           </a:p>
@@ -2104,7 +2105,7 @@
           <a:p>
             <a:fld id="{9B7FF435-8905-4E79-AE46-2E63250C33AB}" type="datetimeFigureOut">
               <a:rPr lang="de-DE" smtClean="0"/>
-              <a:t>11.10.2016</a:t>
+              <a:t>04.11.2016</a:t>
             </a:fld>
             <a:endParaRPr lang="de-DE"/>
           </a:p>
@@ -2357,7 +2358,7 @@
           <a:p>
             <a:fld id="{9B7FF435-8905-4E79-AE46-2E63250C33AB}" type="datetimeFigureOut">
               <a:rPr lang="de-DE" smtClean="0"/>
-              <a:t>11.10.2016</a:t>
+              <a:t>04.11.2016</a:t>
             </a:fld>
             <a:endParaRPr lang="de-DE"/>
           </a:p>
@@ -2570,7 +2571,7 @@
           <a:p>
             <a:fld id="{9B7FF435-8905-4E79-AE46-2E63250C33AB}" type="datetimeFigureOut">
               <a:rPr lang="de-DE" smtClean="0"/>
-              <a:t>11.10.2016</a:t>
+              <a:t>04.11.2016</a:t>
             </a:fld>
             <a:endParaRPr lang="de-DE"/>
           </a:p>
@@ -3883,6 +3884,809 @@
 </p:sld>
 </file>
 
+<file path=ppt/slides/slide8.xml><?xml version="1.0" encoding="utf-8"?>
+<p:sld xmlns:a="http://schemas.openxmlformats.org/drawingml/2006/main" xmlns:r="http://schemas.openxmlformats.org/officeDocument/2006/relationships" xmlns:p="http://schemas.openxmlformats.org/presentationml/2006/main">
+  <p:cSld>
+    <p:spTree>
+      <p:nvGrpSpPr>
+        <p:cNvPr id="1" name=""/>
+        <p:cNvGrpSpPr/>
+        <p:nvPr/>
+      </p:nvGrpSpPr>
+      <p:grpSpPr>
+        <a:xfrm>
+          <a:off x="0" y="0"/>
+          <a:ext cx="0" cy="0"/>
+          <a:chOff x="0" y="0"/>
+          <a:chExt cx="0" cy="0"/>
+        </a:xfrm>
+      </p:grpSpPr>
+      <p:sp>
+        <p:nvSpPr>
+          <p:cNvPr id="2" name="Titel 1"/>
+          <p:cNvSpPr>
+            <a:spLocks noGrp="1"/>
+          </p:cNvSpPr>
+          <p:nvPr>
+            <p:ph type="title"/>
+          </p:nvPr>
+        </p:nvSpPr>
+        <p:spPr>
+          <a:xfrm>
+            <a:off x="936171" y="305747"/>
+            <a:ext cx="9416143" cy="737268"/>
+          </a:xfrm>
+        </p:spPr>
+        <p:txBody>
+          <a:bodyPr/>
+          <a:lstStyle/>
+          <a:p>
+            <a:r>
+              <a:rPr lang="de-DE" dirty="0" smtClean="0"/>
+              <a:t>Aufbau der Collections</a:t>
+            </a:r>
+            <a:endParaRPr lang="de-DE" dirty="0"/>
+          </a:p>
+        </p:txBody>
+      </p:sp>
+      <p:sp>
+        <p:nvSpPr>
+          <p:cNvPr id="4" name="Abgerundetes Rechteck 3"/>
+          <p:cNvSpPr/>
+          <p:nvPr/>
+        </p:nvSpPr>
+        <p:spPr>
+          <a:xfrm>
+            <a:off x="936171" y="1988460"/>
+            <a:ext cx="2206172" cy="798285"/>
+          </a:xfrm>
+          <a:prstGeom prst="roundRect">
+            <a:avLst/>
+          </a:prstGeom>
+        </p:spPr>
+        <p:style>
+          <a:lnRef idx="2">
+            <a:schemeClr val="accent1">
+              <a:shade val="50000"/>
+            </a:schemeClr>
+          </a:lnRef>
+          <a:fillRef idx="1">
+            <a:schemeClr val="accent1"/>
+          </a:fillRef>
+          <a:effectRef idx="0">
+            <a:schemeClr val="accent1"/>
+          </a:effectRef>
+          <a:fontRef idx="minor">
+            <a:schemeClr val="lt1"/>
+          </a:fontRef>
+        </p:style>
+        <p:txBody>
+          <a:bodyPr rtlCol="0" anchor="ctr"/>
+          <a:lstStyle/>
+          <a:p>
+            <a:pPr algn="ctr"/>
+            <a:r>
+              <a:rPr lang="de-DE" dirty="0" smtClean="0"/>
+              <a:t>Spark</a:t>
+            </a:r>
+            <a:endParaRPr lang="de-DE" dirty="0"/>
+          </a:p>
+        </p:txBody>
+      </p:sp>
+      <p:sp>
+        <p:nvSpPr>
+          <p:cNvPr id="6" name="Abgerundetes Rechteck 5"/>
+          <p:cNvSpPr/>
+          <p:nvPr/>
+        </p:nvSpPr>
+        <p:spPr>
+          <a:xfrm>
+            <a:off x="5334000" y="1988460"/>
+            <a:ext cx="2206172" cy="798285"/>
+          </a:xfrm>
+          <a:prstGeom prst="roundRect">
+            <a:avLst/>
+          </a:prstGeom>
+        </p:spPr>
+        <p:style>
+          <a:lnRef idx="2">
+            <a:schemeClr val="accent1">
+              <a:shade val="50000"/>
+            </a:schemeClr>
+          </a:lnRef>
+          <a:fillRef idx="1">
+            <a:schemeClr val="accent1"/>
+          </a:fillRef>
+          <a:effectRef idx="0">
+            <a:schemeClr val="accent1"/>
+          </a:effectRef>
+          <a:fontRef idx="minor">
+            <a:schemeClr val="lt1"/>
+          </a:fontRef>
+        </p:style>
+        <p:txBody>
+          <a:bodyPr rtlCol="0" anchor="ctr"/>
+          <a:lstStyle/>
+          <a:p>
+            <a:pPr algn="ctr"/>
+            <a:r>
+              <a:rPr lang="de-DE" dirty="0" smtClean="0"/>
+              <a:t>Maschinen Daten</a:t>
+            </a:r>
+            <a:endParaRPr lang="de-DE" dirty="0"/>
+          </a:p>
+        </p:txBody>
+      </p:sp>
+      <p:sp>
+        <p:nvSpPr>
+          <p:cNvPr id="8" name="Abgerundetes Rechteck 7"/>
+          <p:cNvSpPr/>
+          <p:nvPr/>
+        </p:nvSpPr>
+        <p:spPr>
+          <a:xfrm>
+            <a:off x="5284426" y="5849259"/>
+            <a:ext cx="2206172" cy="798285"/>
+          </a:xfrm>
+          <a:prstGeom prst="roundRect">
+            <a:avLst/>
+          </a:prstGeom>
+        </p:spPr>
+        <p:style>
+          <a:lnRef idx="2">
+            <a:schemeClr val="accent1">
+              <a:shade val="50000"/>
+            </a:schemeClr>
+          </a:lnRef>
+          <a:fillRef idx="1">
+            <a:schemeClr val="accent1"/>
+          </a:fillRef>
+          <a:effectRef idx="0">
+            <a:schemeClr val="accent1"/>
+          </a:effectRef>
+          <a:fontRef idx="minor">
+            <a:schemeClr val="lt1"/>
+          </a:fontRef>
+        </p:style>
+        <p:txBody>
+          <a:bodyPr rtlCol="0" anchor="ctr"/>
+          <a:lstStyle/>
+          <a:p>
+            <a:pPr algn="ctr"/>
+            <a:r>
+              <a:rPr lang="de-DE" dirty="0" smtClean="0"/>
+              <a:t>Produkt Daten</a:t>
+            </a:r>
+            <a:endParaRPr lang="de-DE" dirty="0"/>
+          </a:p>
+        </p:txBody>
+      </p:sp>
+      <p:cxnSp>
+        <p:nvCxnSpPr>
+          <p:cNvPr id="14" name="Gerade Verbindung mit Pfeil 13"/>
+          <p:cNvCxnSpPr>
+            <a:stCxn id="4" idx="3"/>
+            <a:endCxn id="6" idx="1"/>
+          </p:cNvCxnSpPr>
+          <p:nvPr/>
+        </p:nvCxnSpPr>
+        <p:spPr>
+          <a:xfrm>
+            <a:off x="3142343" y="2387603"/>
+            <a:ext cx="2191657" cy="0"/>
+          </a:xfrm>
+          <a:prstGeom prst="straightConnector1">
+            <a:avLst/>
+          </a:prstGeom>
+          <a:ln>
+            <a:tailEnd type="triangle"/>
+          </a:ln>
+        </p:spPr>
+        <p:style>
+          <a:lnRef idx="1">
+            <a:schemeClr val="accent1"/>
+          </a:lnRef>
+          <a:fillRef idx="0">
+            <a:schemeClr val="accent1"/>
+          </a:fillRef>
+          <a:effectRef idx="0">
+            <a:schemeClr val="accent1"/>
+          </a:effectRef>
+          <a:fontRef idx="minor">
+            <a:schemeClr val="tx1"/>
+          </a:fontRef>
+        </p:style>
+      </p:cxnSp>
+      <p:cxnSp>
+        <p:nvCxnSpPr>
+          <p:cNvPr id="16" name="Gerade Verbindung mit Pfeil 15"/>
+          <p:cNvCxnSpPr>
+            <a:stCxn id="4" idx="3"/>
+            <a:endCxn id="8" idx="1"/>
+          </p:cNvCxnSpPr>
+          <p:nvPr/>
+        </p:nvCxnSpPr>
+        <p:spPr>
+          <a:xfrm>
+            <a:off x="3142343" y="2387603"/>
+            <a:ext cx="2142083" cy="3860799"/>
+          </a:xfrm>
+          <a:prstGeom prst="straightConnector1">
+            <a:avLst/>
+          </a:prstGeom>
+          <a:ln>
+            <a:tailEnd type="triangle"/>
+          </a:ln>
+        </p:spPr>
+        <p:style>
+          <a:lnRef idx="1">
+            <a:schemeClr val="accent1"/>
+          </a:lnRef>
+          <a:fillRef idx="0">
+            <a:schemeClr val="accent1"/>
+          </a:fillRef>
+          <a:effectRef idx="0">
+            <a:schemeClr val="accent1"/>
+          </a:effectRef>
+          <a:fontRef idx="minor">
+            <a:schemeClr val="tx1"/>
+          </a:fontRef>
+        </p:style>
+      </p:cxnSp>
+      <p:sp>
+        <p:nvSpPr>
+          <p:cNvPr id="17" name="Textfeld 16"/>
+          <p:cNvSpPr txBox="1"/>
+          <p:nvPr/>
+        </p:nvSpPr>
+        <p:spPr>
+          <a:xfrm>
+            <a:off x="1019426" y="1338832"/>
+            <a:ext cx="1019831" cy="369332"/>
+          </a:xfrm>
+          <a:prstGeom prst="rect">
+            <a:avLst/>
+          </a:prstGeom>
+          <a:noFill/>
+        </p:spPr>
+        <p:txBody>
+          <a:bodyPr wrap="none" rtlCol="0">
+            <a:spAutoFit/>
+          </a:bodyPr>
+          <a:lstStyle/>
+          <a:p>
+            <a:r>
+              <a:rPr lang="de-DE" dirty="0" smtClean="0"/>
+              <a:t>Mapping</a:t>
+            </a:r>
+            <a:endParaRPr lang="de-DE" dirty="0"/>
+          </a:p>
+        </p:txBody>
+      </p:sp>
+      <p:sp>
+        <p:nvSpPr>
+          <p:cNvPr id="18" name="Textfeld 17"/>
+          <p:cNvSpPr txBox="1"/>
+          <p:nvPr/>
+        </p:nvSpPr>
+        <p:spPr>
+          <a:xfrm>
+            <a:off x="5284426" y="1338832"/>
+            <a:ext cx="2255746" cy="369332"/>
+          </a:xfrm>
+          <a:prstGeom prst="rect">
+            <a:avLst/>
+          </a:prstGeom>
+          <a:noFill/>
+        </p:spPr>
+        <p:txBody>
+          <a:bodyPr wrap="none" rtlCol="0">
+            <a:spAutoFit/>
+          </a:bodyPr>
+          <a:lstStyle/>
+          <a:p>
+            <a:r>
+              <a:rPr lang="de-DE" dirty="0" smtClean="0"/>
+              <a:t>Mongo DB Collections</a:t>
+            </a:r>
+            <a:endParaRPr lang="de-DE" dirty="0"/>
+          </a:p>
+        </p:txBody>
+      </p:sp>
+      <p:sp>
+        <p:nvSpPr>
+          <p:cNvPr id="20" name="Rechteck 19"/>
+          <p:cNvSpPr/>
+          <p:nvPr/>
+        </p:nvSpPr>
+        <p:spPr>
+          <a:xfrm>
+            <a:off x="5334000" y="2827555"/>
+            <a:ext cx="2206172" cy="580571"/>
+          </a:xfrm>
+          <a:prstGeom prst="rect">
+            <a:avLst/>
+          </a:prstGeom>
+        </p:spPr>
+        <p:style>
+          <a:lnRef idx="2">
+            <a:schemeClr val="accent1">
+              <a:shade val="50000"/>
+            </a:schemeClr>
+          </a:lnRef>
+          <a:fillRef idx="1">
+            <a:schemeClr val="accent1"/>
+          </a:fillRef>
+          <a:effectRef idx="0">
+            <a:schemeClr val="accent1"/>
+          </a:effectRef>
+          <a:fontRef idx="minor">
+            <a:schemeClr val="lt1"/>
+          </a:fontRef>
+        </p:style>
+        <p:txBody>
+          <a:bodyPr rtlCol="0" anchor="ctr"/>
+          <a:lstStyle/>
+          <a:p>
+            <a:pPr algn="ctr"/>
+            <a:r>
+              <a:rPr lang="de-DE" dirty="0" smtClean="0"/>
+              <a:t>Drilling </a:t>
+            </a:r>
+            <a:r>
+              <a:rPr lang="de-DE" dirty="0" err="1" smtClean="0"/>
+              <a:t>Temp</a:t>
+            </a:r>
+            <a:r>
+              <a:rPr lang="de-DE" dirty="0" smtClean="0"/>
+              <a:t>.</a:t>
+            </a:r>
+            <a:endParaRPr lang="de-DE" dirty="0"/>
+          </a:p>
+        </p:txBody>
+      </p:sp>
+      <p:sp>
+        <p:nvSpPr>
+          <p:cNvPr id="21" name="Rechteck 20"/>
+          <p:cNvSpPr/>
+          <p:nvPr/>
+        </p:nvSpPr>
+        <p:spPr>
+          <a:xfrm>
+            <a:off x="5334000" y="4691698"/>
+            <a:ext cx="2206172" cy="580571"/>
+          </a:xfrm>
+          <a:prstGeom prst="rect">
+            <a:avLst/>
+          </a:prstGeom>
+        </p:spPr>
+        <p:style>
+          <a:lnRef idx="2">
+            <a:schemeClr val="accent1">
+              <a:shade val="50000"/>
+            </a:schemeClr>
+          </a:lnRef>
+          <a:fillRef idx="1">
+            <a:schemeClr val="accent1"/>
+          </a:fillRef>
+          <a:effectRef idx="0">
+            <a:schemeClr val="accent1"/>
+          </a:effectRef>
+          <a:fontRef idx="minor">
+            <a:schemeClr val="lt1"/>
+          </a:fontRef>
+        </p:style>
+        <p:txBody>
+          <a:bodyPr rtlCol="0" anchor="ctr"/>
+          <a:lstStyle/>
+          <a:p>
+            <a:pPr algn="ctr"/>
+            <a:r>
+              <a:rPr lang="de-DE" dirty="0" err="1" smtClean="0"/>
+              <a:t>Milling</a:t>
+            </a:r>
+            <a:r>
+              <a:rPr lang="de-DE" dirty="0" smtClean="0"/>
+              <a:t> Speed</a:t>
+            </a:r>
+            <a:endParaRPr lang="de-DE" dirty="0"/>
+          </a:p>
+        </p:txBody>
+      </p:sp>
+      <p:sp>
+        <p:nvSpPr>
+          <p:cNvPr id="22" name="Rechteck 21"/>
+          <p:cNvSpPr/>
+          <p:nvPr/>
+        </p:nvSpPr>
+        <p:spPr>
+          <a:xfrm>
+            <a:off x="5334000" y="3448936"/>
+            <a:ext cx="2206172" cy="580571"/>
+          </a:xfrm>
+          <a:prstGeom prst="rect">
+            <a:avLst/>
+          </a:prstGeom>
+        </p:spPr>
+        <p:style>
+          <a:lnRef idx="2">
+            <a:schemeClr val="accent1">
+              <a:shade val="50000"/>
+            </a:schemeClr>
+          </a:lnRef>
+          <a:fillRef idx="1">
+            <a:schemeClr val="accent1"/>
+          </a:fillRef>
+          <a:effectRef idx="0">
+            <a:schemeClr val="accent1"/>
+          </a:effectRef>
+          <a:fontRef idx="minor">
+            <a:schemeClr val="lt1"/>
+          </a:fontRef>
+        </p:style>
+        <p:txBody>
+          <a:bodyPr rtlCol="0" anchor="ctr"/>
+          <a:lstStyle/>
+          <a:p>
+            <a:pPr algn="ctr"/>
+            <a:r>
+              <a:rPr lang="de-DE" dirty="0" smtClean="0"/>
+              <a:t>Drilling Speed</a:t>
+            </a:r>
+            <a:endParaRPr lang="de-DE" dirty="0"/>
+          </a:p>
+        </p:txBody>
+      </p:sp>
+      <p:sp>
+        <p:nvSpPr>
+          <p:cNvPr id="23" name="Rechteck 22"/>
+          <p:cNvSpPr/>
+          <p:nvPr/>
+        </p:nvSpPr>
+        <p:spPr>
+          <a:xfrm>
+            <a:off x="5334000" y="4070317"/>
+            <a:ext cx="2206172" cy="580571"/>
+          </a:xfrm>
+          <a:prstGeom prst="rect">
+            <a:avLst/>
+          </a:prstGeom>
+        </p:spPr>
+        <p:style>
+          <a:lnRef idx="2">
+            <a:schemeClr val="accent1">
+              <a:shade val="50000"/>
+            </a:schemeClr>
+          </a:lnRef>
+          <a:fillRef idx="1">
+            <a:schemeClr val="accent1"/>
+          </a:fillRef>
+          <a:effectRef idx="0">
+            <a:schemeClr val="accent1"/>
+          </a:effectRef>
+          <a:fontRef idx="minor">
+            <a:schemeClr val="lt1"/>
+          </a:fontRef>
+        </p:style>
+        <p:txBody>
+          <a:bodyPr rtlCol="0" anchor="ctr"/>
+          <a:lstStyle/>
+          <a:p>
+            <a:pPr algn="ctr"/>
+            <a:r>
+              <a:rPr lang="de-DE" dirty="0" err="1" smtClean="0"/>
+              <a:t>Milling</a:t>
+            </a:r>
+            <a:r>
+              <a:rPr lang="de-DE" dirty="0" smtClean="0"/>
+              <a:t> </a:t>
+            </a:r>
+            <a:r>
+              <a:rPr lang="de-DE" dirty="0" err="1" smtClean="0"/>
+              <a:t>Temp</a:t>
+            </a:r>
+            <a:r>
+              <a:rPr lang="de-DE" dirty="0" smtClean="0"/>
+              <a:t>.</a:t>
+            </a:r>
+            <a:endParaRPr lang="de-DE" dirty="0"/>
+          </a:p>
+        </p:txBody>
+      </p:sp>
+      <p:sp>
+        <p:nvSpPr>
+          <p:cNvPr id="25" name="Abgerundetes Rechteck 24"/>
+          <p:cNvSpPr/>
+          <p:nvPr/>
+        </p:nvSpPr>
+        <p:spPr>
+          <a:xfrm>
+            <a:off x="9358699" y="1988459"/>
+            <a:ext cx="2206172" cy="798285"/>
+          </a:xfrm>
+          <a:prstGeom prst="roundRect">
+            <a:avLst/>
+          </a:prstGeom>
+        </p:spPr>
+        <p:style>
+          <a:lnRef idx="2">
+            <a:schemeClr val="accent1">
+              <a:shade val="50000"/>
+            </a:schemeClr>
+          </a:lnRef>
+          <a:fillRef idx="1">
+            <a:schemeClr val="accent1"/>
+          </a:fillRef>
+          <a:effectRef idx="0">
+            <a:schemeClr val="accent1"/>
+          </a:effectRef>
+          <a:fontRef idx="minor">
+            <a:schemeClr val="lt1"/>
+          </a:fontRef>
+        </p:style>
+        <p:txBody>
+          <a:bodyPr rtlCol="0" anchor="ctr"/>
+          <a:lstStyle/>
+          <a:p>
+            <a:pPr algn="ctr"/>
+            <a:r>
+              <a:rPr lang="de-DE" dirty="0" smtClean="0"/>
+              <a:t>Machines Layout</a:t>
+            </a:r>
+            <a:endParaRPr lang="de-DE" dirty="0"/>
+          </a:p>
+        </p:txBody>
+      </p:sp>
+      <p:sp>
+        <p:nvSpPr>
+          <p:cNvPr id="26" name="Textfeld 25"/>
+          <p:cNvSpPr txBox="1"/>
+          <p:nvPr/>
+        </p:nvSpPr>
+        <p:spPr>
+          <a:xfrm>
+            <a:off x="9333912" y="1331071"/>
+            <a:ext cx="900631" cy="369332"/>
+          </a:xfrm>
+          <a:prstGeom prst="rect">
+            <a:avLst/>
+          </a:prstGeom>
+          <a:noFill/>
+        </p:spPr>
+        <p:txBody>
+          <a:bodyPr wrap="none" rtlCol="0">
+            <a:spAutoFit/>
+          </a:bodyPr>
+          <a:lstStyle/>
+          <a:p>
+            <a:r>
+              <a:rPr lang="de-DE" dirty="0" smtClean="0"/>
+              <a:t>Layouts</a:t>
+            </a:r>
+            <a:endParaRPr lang="de-DE" dirty="0"/>
+          </a:p>
+        </p:txBody>
+      </p:sp>
+      <p:sp>
+        <p:nvSpPr>
+          <p:cNvPr id="27" name="Abgerundetes Rechteck 26"/>
+          <p:cNvSpPr/>
+          <p:nvPr/>
+        </p:nvSpPr>
+        <p:spPr>
+          <a:xfrm>
+            <a:off x="9333912" y="5849258"/>
+            <a:ext cx="2206172" cy="798285"/>
+          </a:xfrm>
+          <a:prstGeom prst="roundRect">
+            <a:avLst/>
+          </a:prstGeom>
+        </p:spPr>
+        <p:style>
+          <a:lnRef idx="2">
+            <a:schemeClr val="accent1">
+              <a:shade val="50000"/>
+            </a:schemeClr>
+          </a:lnRef>
+          <a:fillRef idx="1">
+            <a:schemeClr val="accent1"/>
+          </a:fillRef>
+          <a:effectRef idx="0">
+            <a:schemeClr val="accent1"/>
+          </a:effectRef>
+          <a:fontRef idx="minor">
+            <a:schemeClr val="lt1"/>
+          </a:fontRef>
+        </p:style>
+        <p:txBody>
+          <a:bodyPr rtlCol="0" anchor="ctr"/>
+          <a:lstStyle/>
+          <a:p>
+            <a:pPr algn="ctr"/>
+            <a:r>
+              <a:rPr lang="de-DE" dirty="0" err="1" smtClean="0"/>
+              <a:t>Product</a:t>
+            </a:r>
+            <a:r>
+              <a:rPr lang="de-DE" dirty="0" smtClean="0"/>
+              <a:t> Layout</a:t>
+            </a:r>
+            <a:endParaRPr lang="de-DE" dirty="0"/>
+          </a:p>
+        </p:txBody>
+      </p:sp>
+      <p:sp>
+        <p:nvSpPr>
+          <p:cNvPr id="28" name="Abgerundetes Rechteck 27"/>
+          <p:cNvSpPr/>
+          <p:nvPr/>
+        </p:nvSpPr>
+        <p:spPr>
+          <a:xfrm>
+            <a:off x="9333912" y="4873126"/>
+            <a:ext cx="2206172" cy="798285"/>
+          </a:xfrm>
+          <a:prstGeom prst="roundRect">
+            <a:avLst/>
+          </a:prstGeom>
+        </p:spPr>
+        <p:style>
+          <a:lnRef idx="2">
+            <a:schemeClr val="accent1">
+              <a:shade val="50000"/>
+            </a:schemeClr>
+          </a:lnRef>
+          <a:fillRef idx="1">
+            <a:schemeClr val="accent1"/>
+          </a:fillRef>
+          <a:effectRef idx="0">
+            <a:schemeClr val="accent1"/>
+          </a:effectRef>
+          <a:fontRef idx="minor">
+            <a:schemeClr val="lt1"/>
+          </a:fontRef>
+        </p:style>
+        <p:txBody>
+          <a:bodyPr rtlCol="0" anchor="ctr"/>
+          <a:lstStyle/>
+          <a:p>
+            <a:pPr algn="ctr"/>
+            <a:r>
+              <a:rPr lang="de-DE" dirty="0" smtClean="0"/>
+              <a:t>Customer Layout</a:t>
+            </a:r>
+            <a:endParaRPr lang="de-DE" dirty="0"/>
+          </a:p>
+        </p:txBody>
+      </p:sp>
+      <p:cxnSp>
+        <p:nvCxnSpPr>
+          <p:cNvPr id="34" name="Gerade Verbindung mit Pfeil 33"/>
+          <p:cNvCxnSpPr>
+            <a:stCxn id="8" idx="3"/>
+            <a:endCxn id="28" idx="1"/>
+          </p:cNvCxnSpPr>
+          <p:nvPr/>
+        </p:nvCxnSpPr>
+        <p:spPr>
+          <a:xfrm flipV="1">
+            <a:off x="7490598" y="5272269"/>
+            <a:ext cx="1843314" cy="976133"/>
+          </a:xfrm>
+          <a:prstGeom prst="straightConnector1">
+            <a:avLst/>
+          </a:prstGeom>
+          <a:ln>
+            <a:tailEnd type="triangle"/>
+          </a:ln>
+        </p:spPr>
+        <p:style>
+          <a:lnRef idx="1">
+            <a:schemeClr val="accent1"/>
+          </a:lnRef>
+          <a:fillRef idx="0">
+            <a:schemeClr val="accent1"/>
+          </a:fillRef>
+          <a:effectRef idx="0">
+            <a:schemeClr val="accent1"/>
+          </a:effectRef>
+          <a:fontRef idx="minor">
+            <a:schemeClr val="tx1"/>
+          </a:fontRef>
+        </p:style>
+      </p:cxnSp>
+      <p:cxnSp>
+        <p:nvCxnSpPr>
+          <p:cNvPr id="36" name="Gerade Verbindung mit Pfeil 35"/>
+          <p:cNvCxnSpPr>
+            <a:stCxn id="8" idx="3"/>
+            <a:endCxn id="27" idx="1"/>
+          </p:cNvCxnSpPr>
+          <p:nvPr/>
+        </p:nvCxnSpPr>
+        <p:spPr>
+          <a:xfrm flipV="1">
+            <a:off x="7490598" y="6248401"/>
+            <a:ext cx="1843314" cy="1"/>
+          </a:xfrm>
+          <a:prstGeom prst="straightConnector1">
+            <a:avLst/>
+          </a:prstGeom>
+          <a:ln>
+            <a:tailEnd type="triangle"/>
+          </a:ln>
+        </p:spPr>
+        <p:style>
+          <a:lnRef idx="1">
+            <a:schemeClr val="accent1"/>
+          </a:lnRef>
+          <a:fillRef idx="0">
+            <a:schemeClr val="accent1"/>
+          </a:fillRef>
+          <a:effectRef idx="0">
+            <a:schemeClr val="accent1"/>
+          </a:effectRef>
+          <a:fontRef idx="minor">
+            <a:schemeClr val="tx1"/>
+          </a:fontRef>
+        </p:style>
+      </p:cxnSp>
+      <p:cxnSp>
+        <p:nvCxnSpPr>
+          <p:cNvPr id="38" name="Gerade Verbindung mit Pfeil 37"/>
+          <p:cNvCxnSpPr>
+            <a:stCxn id="6" idx="3"/>
+            <a:endCxn id="25" idx="1"/>
+          </p:cNvCxnSpPr>
+          <p:nvPr/>
+        </p:nvCxnSpPr>
+        <p:spPr>
+          <a:xfrm flipV="1">
+            <a:off x="7540172" y="2387602"/>
+            <a:ext cx="1818527" cy="1"/>
+          </a:xfrm>
+          <a:prstGeom prst="straightConnector1">
+            <a:avLst/>
+          </a:prstGeom>
+          <a:ln>
+            <a:tailEnd type="triangle"/>
+          </a:ln>
+        </p:spPr>
+        <p:style>
+          <a:lnRef idx="1">
+            <a:schemeClr val="accent1"/>
+          </a:lnRef>
+          <a:fillRef idx="0">
+            <a:schemeClr val="accent1"/>
+          </a:fillRef>
+          <a:effectRef idx="0">
+            <a:schemeClr val="accent1"/>
+          </a:effectRef>
+          <a:fontRef idx="minor">
+            <a:schemeClr val="tx1"/>
+          </a:fontRef>
+        </p:style>
+      </p:cxnSp>
+    </p:spTree>
+    <p:extLst>
+      <p:ext uri="{BB962C8B-B14F-4D97-AF65-F5344CB8AC3E}">
+        <p14:creationId xmlns:p14="http://schemas.microsoft.com/office/powerpoint/2010/main" val="302041815"/>
+      </p:ext>
+    </p:extLst>
+  </p:cSld>
+  <p:clrMapOvr>
+    <a:masterClrMapping/>
+  </p:clrMapOvr>
+  <p:timing>
+    <p:tnLst>
+      <p:par>
+        <p:cTn id="1" dur="indefinite" restart="never" nodeType="tmRoot"/>
+      </p:par>
+    </p:tnLst>
+  </p:timing>
+</p:sld>
+</file>
+
 <file path=ppt/theme/theme1.xml><?xml version="1.0" encoding="utf-8"?>
 <a:theme xmlns:a="http://schemas.openxmlformats.org/drawingml/2006/main" name="Office Theme">
   <a:themeElements>
